--- a/Sunum/Ekmek doku analizi.pptx
+++ b/Sunum/Ekmek doku analizi.pptx
@@ -1124,7 +1124,7 @@
             <a:fld id="{E28287AA-0D99-42CE-A71B-10FA9908BBF8}" type="datetimeFigureOut">
               <a:rPr lang="en-US" smtClean="0"/>
               <a:pPr/>
-              <a:t>11/9/2022</a:t>
+              <a:t>11/10/2022</a:t>
             </a:fld>
             <a:endParaRPr lang="en-US"/>
           </a:p>
@@ -2254,7 +2254,7 @@
             <a:fld id="{DCFA480D-CB17-4C49-BB2A-C7514E1C7CEA}" type="datetimeFigureOut">
               <a:rPr lang="en-US" smtClean="0"/>
               <a:pPr/>
-              <a:t>11/9/2022</a:t>
+              <a:t>11/10/2022</a:t>
             </a:fld>
             <a:endParaRPr lang="en-US"/>
           </a:p>
@@ -2422,7 +2422,7 @@
             <a:fld id="{DCFA480D-CB17-4C49-BB2A-C7514E1C7CEA}" type="datetimeFigureOut">
               <a:rPr lang="en-US" smtClean="0"/>
               <a:pPr/>
-              <a:t>11/9/2022</a:t>
+              <a:t>11/10/2022</a:t>
             </a:fld>
             <a:endParaRPr lang="en-US"/>
           </a:p>
@@ -2599,7 +2599,7 @@
             <a:fld id="{DCFA480D-CB17-4C49-BB2A-C7514E1C7CEA}" type="datetimeFigureOut">
               <a:rPr lang="en-US" smtClean="0"/>
               <a:pPr/>
-              <a:t>11/9/2022</a:t>
+              <a:t>11/10/2022</a:t>
             </a:fld>
             <a:endParaRPr lang="en-US"/>
           </a:p>
@@ -2748,7 +2748,7 @@
             <a:fld id="{DCFA480D-CB17-4C49-BB2A-C7514E1C7CEA}" type="datetimeFigureOut">
               <a:rPr lang="en-US" smtClean="0"/>
               <a:pPr/>
-              <a:t>11/9/2022</a:t>
+              <a:t>11/10/2022</a:t>
             </a:fld>
             <a:endParaRPr lang="en-US"/>
           </a:p>
@@ -2873,7 +2873,7 @@
             <a:fld id="{DCFA480D-CB17-4C49-BB2A-C7514E1C7CEA}" type="datetimeFigureOut">
               <a:rPr lang="en-US" smtClean="0"/>
               <a:pPr/>
-              <a:t>11/9/2022</a:t>
+              <a:t>11/10/2022</a:t>
             </a:fld>
             <a:endParaRPr lang="en-US" dirty="0"/>
           </a:p>
@@ -3145,7 +3145,7 @@
             <a:fld id="{DCFA480D-CB17-4C49-BB2A-C7514E1C7CEA}" type="datetimeFigureOut">
               <a:rPr lang="en-US" smtClean="0"/>
               <a:pPr/>
-              <a:t>11/9/2022</a:t>
+              <a:t>11/10/2022</a:t>
             </a:fld>
             <a:endParaRPr lang="en-US" dirty="0"/>
           </a:p>
@@ -3417,7 +3417,7 @@
             <a:fld id="{DCFA480D-CB17-4C49-BB2A-C7514E1C7CEA}" type="datetimeFigureOut">
               <a:rPr lang="en-US" smtClean="0"/>
               <a:pPr/>
-              <a:t>11/9/2022</a:t>
+              <a:t>11/10/2022</a:t>
             </a:fld>
             <a:endParaRPr lang="en-US" dirty="0"/>
           </a:p>
@@ -3865,7 +3865,7 @@
             <a:fld id="{DCFA480D-CB17-4C49-BB2A-C7514E1C7CEA}" type="datetimeFigureOut">
               <a:rPr lang="en-US" smtClean="0"/>
               <a:pPr/>
-              <a:t>11/9/2022</a:t>
+              <a:t>11/10/2022</a:t>
             </a:fld>
             <a:endParaRPr lang="en-US" dirty="0"/>
           </a:p>
@@ -3980,7 +3980,7 @@
             <a:fld id="{DCFA480D-CB17-4C49-BB2A-C7514E1C7CEA}" type="datetimeFigureOut">
               <a:rPr lang="en-US" smtClean="0"/>
               <a:pPr/>
-              <a:t>11/9/2022</a:t>
+              <a:t>11/10/2022</a:t>
             </a:fld>
             <a:endParaRPr lang="en-US" dirty="0"/>
           </a:p>
@@ -4232,7 +4232,7 @@
             <a:fld id="{DCFA480D-CB17-4C49-BB2A-C7514E1C7CEA}" type="datetimeFigureOut">
               <a:rPr lang="en-US" smtClean="0"/>
               <a:pPr/>
-              <a:t>11/9/2022</a:t>
+              <a:t>11/10/2022</a:t>
             </a:fld>
             <a:endParaRPr lang="en-US"/>
           </a:p>
@@ -4475,7 +4475,7 @@
             <a:fld id="{DCFA480D-CB17-4C49-BB2A-C7514E1C7CEA}" type="datetimeFigureOut">
               <a:rPr lang="en-US" smtClean="0"/>
               <a:pPr/>
-              <a:t>11/9/2022</a:t>
+              <a:t>11/10/2022</a:t>
             </a:fld>
             <a:endParaRPr lang="en-US"/>
           </a:p>
@@ -4651,7 +4651,7 @@
             <a:fld id="{DCFA480D-CB17-4C49-BB2A-C7514E1C7CEA}" type="datetimeFigureOut">
               <a:rPr lang="en-US" smtClean="0"/>
               <a:pPr/>
-              <a:t>11/9/2022</a:t>
+              <a:t>11/10/2022</a:t>
             </a:fld>
             <a:endParaRPr lang="en-US" sz="1200" dirty="0">
               <a:solidFill>
@@ -5189,6 +5189,12 @@
         <p:txBody>
           <a:bodyPr/>
           <a:lstStyle/>
+          <a:p>
+            <a:r>
+              <a:rPr lang="tr-TR" dirty="0"/>
+              <a:t>Miraç HANBAY</a:t>
+            </a:r>
+          </a:p>
           <a:p>
             <a:endParaRPr lang="tr-TR" dirty="0"/>
           </a:p>
@@ -8615,140 +8621,12 @@
 </file>
 
 <file path=customXml/item1.xml><?xml version="1.0" encoding="utf-8"?>
-<p:properties xmlns:p="http://schemas.microsoft.com/office/2006/metadata/properties" xmlns:xsi="http://www.w3.org/2001/XMLSchema-instance" xmlns:pc="http://schemas.microsoft.com/office/infopath/2007/PartnerControls">
-  <documentManagement>
-    <DirectSourceMarket xmlns="d1af3920-8fda-4ad5-98bb-96475601b038">english</DirectSourceMarket>
-    <MarketSpecific xmlns="d1af3920-8fda-4ad5-98bb-96475601b038" xsi:nil="true"/>
-    <ApprovalStatus xmlns="d1af3920-8fda-4ad5-98bb-96475601b038">InProgress</ApprovalStatus>
-    <PrimaryImageGen xmlns="d1af3920-8fda-4ad5-98bb-96475601b038">true</PrimaryImageGen>
-    <ThumbnailAssetId xmlns="d1af3920-8fda-4ad5-98bb-96475601b038" xsi:nil="true"/>
-    <TPFriendlyName xmlns="d1af3920-8fda-4ad5-98bb-96475601b038">Dünya Günü sunusu</TPFriendlyName>
-    <NumericId xmlns="d1af3920-8fda-4ad5-98bb-96475601b038">-1</NumericId>
-    <BusinessGroup xmlns="d1af3920-8fda-4ad5-98bb-96475601b038" xsi:nil="true"/>
-    <SourceTitle xmlns="d1af3920-8fda-4ad5-98bb-96475601b038">Earth Day presentation</SourceTitle>
-    <APEditor xmlns="d1af3920-8fda-4ad5-98bb-96475601b038">
-      <UserInfo>
-        <DisplayName>REDMOND\v-luannv</DisplayName>
-        <AccountId>109</AccountId>
-        <AccountType/>
-      </UserInfo>
-    </APEditor>
-    <OpenTemplate xmlns="d1af3920-8fda-4ad5-98bb-96475601b038">true</OpenTemplate>
-    <UALocComments xmlns="d1af3920-8fda-4ad5-98bb-96475601b038" xsi:nil="true"/>
-    <ParentAssetId xmlns="d1af3920-8fda-4ad5-98bb-96475601b038" xsi:nil="true"/>
-    <IntlLangReviewDate xmlns="d1af3920-8fda-4ad5-98bb-96475601b038" xsi:nil="true"/>
-    <PublishStatusLookup xmlns="d1af3920-8fda-4ad5-98bb-96475601b038">
-      <Value>82722</Value>
-      <Value>324788</Value>
-    </PublishStatusLookup>
-    <LastPublishResultLookup xmlns="d1af3920-8fda-4ad5-98bb-96475601b038" xsi:nil="true"/>
-    <MachineTranslated xmlns="d1af3920-8fda-4ad5-98bb-96475601b038">false</MachineTranslated>
-    <OriginalSourceMarket xmlns="d1af3920-8fda-4ad5-98bb-96475601b038">english</OriginalSourceMarket>
-    <TPInstallLocation xmlns="d1af3920-8fda-4ad5-98bb-96475601b038">{My Templates}</TPInstallLocation>
-    <APDescription xmlns="d1af3920-8fda-4ad5-98bb-96475601b038" xsi:nil="true"/>
-    <ClipArtFilename xmlns="d1af3920-8fda-4ad5-98bb-96475601b038" xsi:nil="true"/>
-    <ContentItem xmlns="d1af3920-8fda-4ad5-98bb-96475601b038" xsi:nil="true"/>
-    <TPCommandLine xmlns="d1af3920-8fda-4ad5-98bb-96475601b038">{PP} /n {FilePath}</TPCommandLine>
-    <TPAppVersion xmlns="d1af3920-8fda-4ad5-98bb-96475601b038">12</TPAppVersion>
-    <APAuthor xmlns="d1af3920-8fda-4ad5-98bb-96475601b038">
-      <UserInfo>
-        <DisplayName>REDMOND\cynvey</DisplayName>
-        <AccountId>233</AccountId>
-        <AccountType/>
-      </UserInfo>
-    </APAuthor>
-    <PublishTargets xmlns="d1af3920-8fda-4ad5-98bb-96475601b038">OfficeOnline</PublishTargets>
-    <TimesCloned xmlns="d1af3920-8fda-4ad5-98bb-96475601b038" xsi:nil="true"/>
-    <EditorialStatus xmlns="d1af3920-8fda-4ad5-98bb-96475601b038" xsi:nil="true"/>
-    <TPLaunchHelpLinkType xmlns="d1af3920-8fda-4ad5-98bb-96475601b038">Template</TPLaunchHelpLinkType>
-    <LastModifiedDateTime xmlns="d1af3920-8fda-4ad5-98bb-96475601b038" xsi:nil="true"/>
-    <Provider xmlns="d1af3920-8fda-4ad5-98bb-96475601b038">EY006220130</Provider>
-    <AcquiredFrom xmlns="d1af3920-8fda-4ad5-98bb-96475601b038" xsi:nil="true"/>
-    <AssetStart xmlns="d1af3920-8fda-4ad5-98bb-96475601b038">2009-01-02T00:00:00+00:00</AssetStart>
-    <LastHandOff xmlns="d1af3920-8fda-4ad5-98bb-96475601b038" xsi:nil="true"/>
-    <TPClientViewer xmlns="d1af3920-8fda-4ad5-98bb-96475601b038">Microsoft Office PowerPoint</TPClientViewer>
-    <UACurrentWords xmlns="d1af3920-8fda-4ad5-98bb-96475601b038">0</UACurrentWords>
-    <UALocRecommendation xmlns="d1af3920-8fda-4ad5-98bb-96475601b038">Localize</UALocRecommendation>
-    <ArtSampleDocs xmlns="d1af3920-8fda-4ad5-98bb-96475601b038" xsi:nil="true"/>
-    <IsDeleted xmlns="d1af3920-8fda-4ad5-98bb-96475601b038">false</IsDeleted>
-    <TemplateStatus xmlns="d1af3920-8fda-4ad5-98bb-96475601b038" xsi:nil="true"/>
-    <UANotes xmlns="d1af3920-8fda-4ad5-98bb-96475601b038" xsi:nil="true"/>
-    <ShowIn xmlns="d1af3920-8fda-4ad5-98bb-96475601b038" xsi:nil="true"/>
-    <CSXHash xmlns="d1af3920-8fda-4ad5-98bb-96475601b038" xsi:nil="true"/>
-    <VoteCount xmlns="d1af3920-8fda-4ad5-98bb-96475601b038" xsi:nil="true"/>
-    <DSATActionTaken xmlns="d1af3920-8fda-4ad5-98bb-96475601b038" xsi:nil="true"/>
-    <AssetExpire xmlns="d1af3920-8fda-4ad5-98bb-96475601b038">2029-05-12T00:00:00+00:00</AssetExpire>
-    <CSXSubmissionMarket xmlns="d1af3920-8fda-4ad5-98bb-96475601b038" xsi:nil="true"/>
-    <SubmitterId xmlns="d1af3920-8fda-4ad5-98bb-96475601b038" xsi:nil="true"/>
-    <TPExecutable xmlns="d1af3920-8fda-4ad5-98bb-96475601b038" xsi:nil="true"/>
-    <AssetType xmlns="d1af3920-8fda-4ad5-98bb-96475601b038">TP</AssetType>
-    <CSXSubmissionDate xmlns="d1af3920-8fda-4ad5-98bb-96475601b038" xsi:nil="true"/>
-    <ApprovalLog xmlns="d1af3920-8fda-4ad5-98bb-96475601b038" xsi:nil="true"/>
-    <BugNumber xmlns="d1af3920-8fda-4ad5-98bb-96475601b038" xsi:nil="true"/>
-    <CSXUpdate xmlns="d1af3920-8fda-4ad5-98bb-96475601b038">false</CSXUpdate>
-    <TPComponent xmlns="d1af3920-8fda-4ad5-98bb-96475601b038">PPTFiles</TPComponent>
-    <Milestone xmlns="d1af3920-8fda-4ad5-98bb-96475601b038" xsi:nil="true"/>
-    <OriginAsset xmlns="d1af3920-8fda-4ad5-98bb-96475601b038" xsi:nil="true"/>
-    <AssetId xmlns="d1af3920-8fda-4ad5-98bb-96475601b038">TP010251335</AssetId>
-    <TPLaunchHelpLink xmlns="d1af3920-8fda-4ad5-98bb-96475601b038" xsi:nil="true"/>
-    <TPApplication xmlns="d1af3920-8fda-4ad5-98bb-96475601b038">PowerPoint</TPApplication>
-    <IntlLocPriority xmlns="d1af3920-8fda-4ad5-98bb-96475601b038" xsi:nil="true"/>
-    <IntlLangReviewer xmlns="d1af3920-8fda-4ad5-98bb-96475601b038" xsi:nil="true"/>
-    <CrawlForDependencies xmlns="d1af3920-8fda-4ad5-98bb-96475601b038">false</CrawlForDependencies>
-    <PlannedPubDate xmlns="d1af3920-8fda-4ad5-98bb-96475601b038" xsi:nil="true"/>
-    <HandoffToMSDN xmlns="d1af3920-8fda-4ad5-98bb-96475601b038" xsi:nil="true"/>
-    <TrustLevel xmlns="d1af3920-8fda-4ad5-98bb-96475601b038">1 Microsoft Managed Content</TrustLevel>
-    <IsSearchable xmlns="d1af3920-8fda-4ad5-98bb-96475601b038">false</IsSearchable>
-    <TPNamespace xmlns="d1af3920-8fda-4ad5-98bb-96475601b038">POWERPNT</TPNamespace>
-    <Markets xmlns="d1af3920-8fda-4ad5-98bb-96475601b038"/>
-    <IntlLangReview xmlns="d1af3920-8fda-4ad5-98bb-96475601b038" xsi:nil="true"/>
-    <OutputCachingOn xmlns="d1af3920-8fda-4ad5-98bb-96475601b038">false</OutputCachingOn>
-    <UAProjectedTotalWords xmlns="d1af3920-8fda-4ad5-98bb-96475601b038" xsi:nil="true"/>
-    <FriendlyTitle xmlns="d1af3920-8fda-4ad5-98bb-96475601b038" xsi:nil="true"/>
-    <OOCacheId xmlns="d1af3920-8fda-4ad5-98bb-96475601b038" xsi:nil="true"/>
-    <EditorialTags xmlns="d1af3920-8fda-4ad5-98bb-96475601b038" xsi:nil="true"/>
-    <Providers xmlns="d1af3920-8fda-4ad5-98bb-96475601b038" xsi:nil="true"/>
-    <TemplateTemplateType xmlns="d1af3920-8fda-4ad5-98bb-96475601b038">PowerPoint 12 Default</TemplateTemplateType>
-    <LegacyData xmlns="d1af3920-8fda-4ad5-98bb-96475601b038" xsi:nil="true"/>
-    <Manager xmlns="d1af3920-8fda-4ad5-98bb-96475601b038" xsi:nil="true"/>
-    <PolicheckWords xmlns="d1af3920-8fda-4ad5-98bb-96475601b038" xsi:nil="true"/>
-    <Downloads xmlns="d1af3920-8fda-4ad5-98bb-96475601b038">0</Downloads>
-    <LocOverallLocStatusLookup xmlns="d1af3920-8fda-4ad5-98bb-96475601b038" xsi:nil="true"/>
-    <LocLastLocAttemptVersionTypeLookup xmlns="d1af3920-8fda-4ad5-98bb-96475601b038" xsi:nil="true"/>
-    <BlockPublish xmlns="d1af3920-8fda-4ad5-98bb-96475601b038" xsi:nil="true"/>
-    <LocalizationTagsTaxHTField0 xmlns="d1af3920-8fda-4ad5-98bb-96475601b038">
-      <Terms xmlns="http://schemas.microsoft.com/office/infopath/2007/PartnerControls"/>
-    </LocalizationTagsTaxHTField0>
-    <ScenarioTagsTaxHTField0 xmlns="d1af3920-8fda-4ad5-98bb-96475601b038">
-      <Terms xmlns="http://schemas.microsoft.com/office/infopath/2007/PartnerControls"/>
-    </ScenarioTagsTaxHTField0>
-    <CampaignTagsTaxHTField0 xmlns="d1af3920-8fda-4ad5-98bb-96475601b038">
-      <Terms xmlns="http://schemas.microsoft.com/office/infopath/2007/PartnerControls"/>
-    </CampaignTagsTaxHTField0>
-    <LocLastLocAttemptVersionLookup xmlns="d1af3920-8fda-4ad5-98bb-96475601b038">63739</LocLastLocAttemptVersionLookup>
-    <LocOverallHandbackStatusLookup xmlns="d1af3920-8fda-4ad5-98bb-96475601b038" xsi:nil="true"/>
-    <LocProcessedForHandoffsLookup xmlns="d1af3920-8fda-4ad5-98bb-96475601b038" xsi:nil="true"/>
-    <LocProcessedForMarketsLookup xmlns="d1af3920-8fda-4ad5-98bb-96475601b038" xsi:nil="true"/>
-    <LocPublishedLinkedAssetsLookup xmlns="d1af3920-8fda-4ad5-98bb-96475601b038" xsi:nil="true"/>
-    <LocNewPublishedVersionLookup xmlns="d1af3920-8fda-4ad5-98bb-96475601b038" xsi:nil="true"/>
-    <LocManualTestRequired xmlns="d1af3920-8fda-4ad5-98bb-96475601b038" xsi:nil="true"/>
-    <LocRecommendedHandoff xmlns="d1af3920-8fda-4ad5-98bb-96475601b038" xsi:nil="true"/>
-    <LocPublishedDependentAssetsLookup xmlns="d1af3920-8fda-4ad5-98bb-96475601b038" xsi:nil="true"/>
-    <RecommendationsModifier xmlns="d1af3920-8fda-4ad5-98bb-96475601b038" xsi:nil="true"/>
-    <FeatureTagsTaxHTField0 xmlns="d1af3920-8fda-4ad5-98bb-96475601b038">
-      <Terms xmlns="http://schemas.microsoft.com/office/infopath/2007/PartnerControls"/>
-    </FeatureTagsTaxHTField0>
-    <LocOverallPreviewStatusLookup xmlns="d1af3920-8fda-4ad5-98bb-96475601b038" xsi:nil="true"/>
-    <LocOverallPublishStatusLookup xmlns="d1af3920-8fda-4ad5-98bb-96475601b038" xsi:nil="true"/>
-    <TaxCatchAll xmlns="d1af3920-8fda-4ad5-98bb-96475601b038"/>
-    <InternalTagsTaxHTField0 xmlns="d1af3920-8fda-4ad5-98bb-96475601b038">
-      <Terms xmlns="http://schemas.microsoft.com/office/infopath/2007/PartnerControls"/>
-    </InternalTagsTaxHTField0>
-    <LocComments xmlns="d1af3920-8fda-4ad5-98bb-96475601b038" xsi:nil="true"/>
-    <OriginalRelease xmlns="d1af3920-8fda-4ad5-98bb-96475601b038">14</OriginalRelease>
-    <LocMarketGroupTiers2 xmlns="d1af3920-8fda-4ad5-98bb-96475601b038" xsi:nil="true"/>
-  </documentManagement>
-</p:properties>
+<?mso-contentType ?>
+<FormTemplates xmlns="http://schemas.microsoft.com/sharepoint/v3/contenttype/forms">
+  <Display>DocumentLibraryForm</Display>
+  <Edit>AssetEditForm</Edit>
+  <New>DocumentLibraryForm</New>
+</FormTemplates>
 </file>
 
 <file path=customXml/item2.xml><?xml version="1.0" encoding="utf-8"?>
@@ -9786,20 +9664,146 @@
 </file>
 
 <file path=customXml/item3.xml><?xml version="1.0" encoding="utf-8"?>
-<?mso-contentType ?>
-<FormTemplates xmlns="http://schemas.microsoft.com/sharepoint/v3/contenttype/forms">
-  <Display>DocumentLibraryForm</Display>
-  <Edit>AssetEditForm</Edit>
-  <New>DocumentLibraryForm</New>
-</FormTemplates>
+<p:properties xmlns:p="http://schemas.microsoft.com/office/2006/metadata/properties" xmlns:xsi="http://www.w3.org/2001/XMLSchema-instance" xmlns:pc="http://schemas.microsoft.com/office/infopath/2007/PartnerControls">
+  <documentManagement>
+    <DirectSourceMarket xmlns="d1af3920-8fda-4ad5-98bb-96475601b038">english</DirectSourceMarket>
+    <MarketSpecific xmlns="d1af3920-8fda-4ad5-98bb-96475601b038" xsi:nil="true"/>
+    <ApprovalStatus xmlns="d1af3920-8fda-4ad5-98bb-96475601b038">InProgress</ApprovalStatus>
+    <PrimaryImageGen xmlns="d1af3920-8fda-4ad5-98bb-96475601b038">true</PrimaryImageGen>
+    <ThumbnailAssetId xmlns="d1af3920-8fda-4ad5-98bb-96475601b038" xsi:nil="true"/>
+    <TPFriendlyName xmlns="d1af3920-8fda-4ad5-98bb-96475601b038">Dünya Günü sunusu</TPFriendlyName>
+    <NumericId xmlns="d1af3920-8fda-4ad5-98bb-96475601b038">-1</NumericId>
+    <BusinessGroup xmlns="d1af3920-8fda-4ad5-98bb-96475601b038" xsi:nil="true"/>
+    <SourceTitle xmlns="d1af3920-8fda-4ad5-98bb-96475601b038">Earth Day presentation</SourceTitle>
+    <APEditor xmlns="d1af3920-8fda-4ad5-98bb-96475601b038">
+      <UserInfo>
+        <DisplayName>REDMOND\v-luannv</DisplayName>
+        <AccountId>109</AccountId>
+        <AccountType/>
+      </UserInfo>
+    </APEditor>
+    <OpenTemplate xmlns="d1af3920-8fda-4ad5-98bb-96475601b038">true</OpenTemplate>
+    <UALocComments xmlns="d1af3920-8fda-4ad5-98bb-96475601b038" xsi:nil="true"/>
+    <ParentAssetId xmlns="d1af3920-8fda-4ad5-98bb-96475601b038" xsi:nil="true"/>
+    <IntlLangReviewDate xmlns="d1af3920-8fda-4ad5-98bb-96475601b038" xsi:nil="true"/>
+    <PublishStatusLookup xmlns="d1af3920-8fda-4ad5-98bb-96475601b038">
+      <Value>82722</Value>
+      <Value>324788</Value>
+    </PublishStatusLookup>
+    <LastPublishResultLookup xmlns="d1af3920-8fda-4ad5-98bb-96475601b038" xsi:nil="true"/>
+    <MachineTranslated xmlns="d1af3920-8fda-4ad5-98bb-96475601b038">false</MachineTranslated>
+    <OriginalSourceMarket xmlns="d1af3920-8fda-4ad5-98bb-96475601b038">english</OriginalSourceMarket>
+    <TPInstallLocation xmlns="d1af3920-8fda-4ad5-98bb-96475601b038">{My Templates}</TPInstallLocation>
+    <APDescription xmlns="d1af3920-8fda-4ad5-98bb-96475601b038" xsi:nil="true"/>
+    <ClipArtFilename xmlns="d1af3920-8fda-4ad5-98bb-96475601b038" xsi:nil="true"/>
+    <ContentItem xmlns="d1af3920-8fda-4ad5-98bb-96475601b038" xsi:nil="true"/>
+    <TPCommandLine xmlns="d1af3920-8fda-4ad5-98bb-96475601b038">{PP} /n {FilePath}</TPCommandLine>
+    <TPAppVersion xmlns="d1af3920-8fda-4ad5-98bb-96475601b038">12</TPAppVersion>
+    <APAuthor xmlns="d1af3920-8fda-4ad5-98bb-96475601b038">
+      <UserInfo>
+        <DisplayName>REDMOND\cynvey</DisplayName>
+        <AccountId>233</AccountId>
+        <AccountType/>
+      </UserInfo>
+    </APAuthor>
+    <PublishTargets xmlns="d1af3920-8fda-4ad5-98bb-96475601b038">OfficeOnline</PublishTargets>
+    <TimesCloned xmlns="d1af3920-8fda-4ad5-98bb-96475601b038" xsi:nil="true"/>
+    <EditorialStatus xmlns="d1af3920-8fda-4ad5-98bb-96475601b038" xsi:nil="true"/>
+    <TPLaunchHelpLinkType xmlns="d1af3920-8fda-4ad5-98bb-96475601b038">Template</TPLaunchHelpLinkType>
+    <LastModifiedDateTime xmlns="d1af3920-8fda-4ad5-98bb-96475601b038" xsi:nil="true"/>
+    <Provider xmlns="d1af3920-8fda-4ad5-98bb-96475601b038">EY006220130</Provider>
+    <AcquiredFrom xmlns="d1af3920-8fda-4ad5-98bb-96475601b038" xsi:nil="true"/>
+    <AssetStart xmlns="d1af3920-8fda-4ad5-98bb-96475601b038">2009-01-02T00:00:00+00:00</AssetStart>
+    <LastHandOff xmlns="d1af3920-8fda-4ad5-98bb-96475601b038" xsi:nil="true"/>
+    <TPClientViewer xmlns="d1af3920-8fda-4ad5-98bb-96475601b038">Microsoft Office PowerPoint</TPClientViewer>
+    <UACurrentWords xmlns="d1af3920-8fda-4ad5-98bb-96475601b038">0</UACurrentWords>
+    <UALocRecommendation xmlns="d1af3920-8fda-4ad5-98bb-96475601b038">Localize</UALocRecommendation>
+    <ArtSampleDocs xmlns="d1af3920-8fda-4ad5-98bb-96475601b038" xsi:nil="true"/>
+    <IsDeleted xmlns="d1af3920-8fda-4ad5-98bb-96475601b038">false</IsDeleted>
+    <TemplateStatus xmlns="d1af3920-8fda-4ad5-98bb-96475601b038" xsi:nil="true"/>
+    <UANotes xmlns="d1af3920-8fda-4ad5-98bb-96475601b038" xsi:nil="true"/>
+    <ShowIn xmlns="d1af3920-8fda-4ad5-98bb-96475601b038" xsi:nil="true"/>
+    <CSXHash xmlns="d1af3920-8fda-4ad5-98bb-96475601b038" xsi:nil="true"/>
+    <VoteCount xmlns="d1af3920-8fda-4ad5-98bb-96475601b038" xsi:nil="true"/>
+    <DSATActionTaken xmlns="d1af3920-8fda-4ad5-98bb-96475601b038" xsi:nil="true"/>
+    <AssetExpire xmlns="d1af3920-8fda-4ad5-98bb-96475601b038">2029-05-12T00:00:00+00:00</AssetExpire>
+    <CSXSubmissionMarket xmlns="d1af3920-8fda-4ad5-98bb-96475601b038" xsi:nil="true"/>
+    <SubmitterId xmlns="d1af3920-8fda-4ad5-98bb-96475601b038" xsi:nil="true"/>
+    <TPExecutable xmlns="d1af3920-8fda-4ad5-98bb-96475601b038" xsi:nil="true"/>
+    <AssetType xmlns="d1af3920-8fda-4ad5-98bb-96475601b038">TP</AssetType>
+    <CSXSubmissionDate xmlns="d1af3920-8fda-4ad5-98bb-96475601b038" xsi:nil="true"/>
+    <ApprovalLog xmlns="d1af3920-8fda-4ad5-98bb-96475601b038" xsi:nil="true"/>
+    <BugNumber xmlns="d1af3920-8fda-4ad5-98bb-96475601b038" xsi:nil="true"/>
+    <CSXUpdate xmlns="d1af3920-8fda-4ad5-98bb-96475601b038">false</CSXUpdate>
+    <TPComponent xmlns="d1af3920-8fda-4ad5-98bb-96475601b038">PPTFiles</TPComponent>
+    <Milestone xmlns="d1af3920-8fda-4ad5-98bb-96475601b038" xsi:nil="true"/>
+    <OriginAsset xmlns="d1af3920-8fda-4ad5-98bb-96475601b038" xsi:nil="true"/>
+    <AssetId xmlns="d1af3920-8fda-4ad5-98bb-96475601b038">TP010251335</AssetId>
+    <TPLaunchHelpLink xmlns="d1af3920-8fda-4ad5-98bb-96475601b038" xsi:nil="true"/>
+    <TPApplication xmlns="d1af3920-8fda-4ad5-98bb-96475601b038">PowerPoint</TPApplication>
+    <IntlLocPriority xmlns="d1af3920-8fda-4ad5-98bb-96475601b038" xsi:nil="true"/>
+    <IntlLangReviewer xmlns="d1af3920-8fda-4ad5-98bb-96475601b038" xsi:nil="true"/>
+    <CrawlForDependencies xmlns="d1af3920-8fda-4ad5-98bb-96475601b038">false</CrawlForDependencies>
+    <PlannedPubDate xmlns="d1af3920-8fda-4ad5-98bb-96475601b038" xsi:nil="true"/>
+    <HandoffToMSDN xmlns="d1af3920-8fda-4ad5-98bb-96475601b038" xsi:nil="true"/>
+    <TrustLevel xmlns="d1af3920-8fda-4ad5-98bb-96475601b038">1 Microsoft Managed Content</TrustLevel>
+    <IsSearchable xmlns="d1af3920-8fda-4ad5-98bb-96475601b038">false</IsSearchable>
+    <TPNamespace xmlns="d1af3920-8fda-4ad5-98bb-96475601b038">POWERPNT</TPNamespace>
+    <Markets xmlns="d1af3920-8fda-4ad5-98bb-96475601b038"/>
+    <IntlLangReview xmlns="d1af3920-8fda-4ad5-98bb-96475601b038" xsi:nil="true"/>
+    <OutputCachingOn xmlns="d1af3920-8fda-4ad5-98bb-96475601b038">false</OutputCachingOn>
+    <UAProjectedTotalWords xmlns="d1af3920-8fda-4ad5-98bb-96475601b038" xsi:nil="true"/>
+    <FriendlyTitle xmlns="d1af3920-8fda-4ad5-98bb-96475601b038" xsi:nil="true"/>
+    <OOCacheId xmlns="d1af3920-8fda-4ad5-98bb-96475601b038" xsi:nil="true"/>
+    <EditorialTags xmlns="d1af3920-8fda-4ad5-98bb-96475601b038" xsi:nil="true"/>
+    <Providers xmlns="d1af3920-8fda-4ad5-98bb-96475601b038" xsi:nil="true"/>
+    <TemplateTemplateType xmlns="d1af3920-8fda-4ad5-98bb-96475601b038">PowerPoint 12 Default</TemplateTemplateType>
+    <LegacyData xmlns="d1af3920-8fda-4ad5-98bb-96475601b038" xsi:nil="true"/>
+    <Manager xmlns="d1af3920-8fda-4ad5-98bb-96475601b038" xsi:nil="true"/>
+    <PolicheckWords xmlns="d1af3920-8fda-4ad5-98bb-96475601b038" xsi:nil="true"/>
+    <Downloads xmlns="d1af3920-8fda-4ad5-98bb-96475601b038">0</Downloads>
+    <LocOverallLocStatusLookup xmlns="d1af3920-8fda-4ad5-98bb-96475601b038" xsi:nil="true"/>
+    <LocLastLocAttemptVersionTypeLookup xmlns="d1af3920-8fda-4ad5-98bb-96475601b038" xsi:nil="true"/>
+    <BlockPublish xmlns="d1af3920-8fda-4ad5-98bb-96475601b038" xsi:nil="true"/>
+    <LocalizationTagsTaxHTField0 xmlns="d1af3920-8fda-4ad5-98bb-96475601b038">
+      <Terms xmlns="http://schemas.microsoft.com/office/infopath/2007/PartnerControls"/>
+    </LocalizationTagsTaxHTField0>
+    <ScenarioTagsTaxHTField0 xmlns="d1af3920-8fda-4ad5-98bb-96475601b038">
+      <Terms xmlns="http://schemas.microsoft.com/office/infopath/2007/PartnerControls"/>
+    </ScenarioTagsTaxHTField0>
+    <CampaignTagsTaxHTField0 xmlns="d1af3920-8fda-4ad5-98bb-96475601b038">
+      <Terms xmlns="http://schemas.microsoft.com/office/infopath/2007/PartnerControls"/>
+    </CampaignTagsTaxHTField0>
+    <LocLastLocAttemptVersionLookup xmlns="d1af3920-8fda-4ad5-98bb-96475601b038">63739</LocLastLocAttemptVersionLookup>
+    <LocOverallHandbackStatusLookup xmlns="d1af3920-8fda-4ad5-98bb-96475601b038" xsi:nil="true"/>
+    <LocProcessedForHandoffsLookup xmlns="d1af3920-8fda-4ad5-98bb-96475601b038" xsi:nil="true"/>
+    <LocProcessedForMarketsLookup xmlns="d1af3920-8fda-4ad5-98bb-96475601b038" xsi:nil="true"/>
+    <LocPublishedLinkedAssetsLookup xmlns="d1af3920-8fda-4ad5-98bb-96475601b038" xsi:nil="true"/>
+    <LocNewPublishedVersionLookup xmlns="d1af3920-8fda-4ad5-98bb-96475601b038" xsi:nil="true"/>
+    <LocManualTestRequired xmlns="d1af3920-8fda-4ad5-98bb-96475601b038" xsi:nil="true"/>
+    <LocRecommendedHandoff xmlns="d1af3920-8fda-4ad5-98bb-96475601b038" xsi:nil="true"/>
+    <LocPublishedDependentAssetsLookup xmlns="d1af3920-8fda-4ad5-98bb-96475601b038" xsi:nil="true"/>
+    <RecommendationsModifier xmlns="d1af3920-8fda-4ad5-98bb-96475601b038" xsi:nil="true"/>
+    <FeatureTagsTaxHTField0 xmlns="d1af3920-8fda-4ad5-98bb-96475601b038">
+      <Terms xmlns="http://schemas.microsoft.com/office/infopath/2007/PartnerControls"/>
+    </FeatureTagsTaxHTField0>
+    <LocOverallPreviewStatusLookup xmlns="d1af3920-8fda-4ad5-98bb-96475601b038" xsi:nil="true"/>
+    <LocOverallPublishStatusLookup xmlns="d1af3920-8fda-4ad5-98bb-96475601b038" xsi:nil="true"/>
+    <TaxCatchAll xmlns="d1af3920-8fda-4ad5-98bb-96475601b038"/>
+    <InternalTagsTaxHTField0 xmlns="d1af3920-8fda-4ad5-98bb-96475601b038">
+      <Terms xmlns="http://schemas.microsoft.com/office/infopath/2007/PartnerControls"/>
+    </InternalTagsTaxHTField0>
+    <LocComments xmlns="d1af3920-8fda-4ad5-98bb-96475601b038" xsi:nil="true"/>
+    <OriginalRelease xmlns="d1af3920-8fda-4ad5-98bb-96475601b038">14</OriginalRelease>
+    <LocMarketGroupTiers2 xmlns="d1af3920-8fda-4ad5-98bb-96475601b038" xsi:nil="true"/>
+  </documentManagement>
+</p:properties>
 </file>
 
 <file path=customXml/itemProps1.xml><?xml version="1.0" encoding="utf-8"?>
-<ds:datastoreItem xmlns:ds="http://schemas.openxmlformats.org/officeDocument/2006/customXml" ds:itemID="{08CF7150-1E38-4F75-B2CE-001E1652E69A}">
+<ds:datastoreItem xmlns:ds="http://schemas.openxmlformats.org/officeDocument/2006/customXml" ds:itemID="{820C0BDE-2AEC-4B91-9B9A-3A6B8B0A37F6}">
   <ds:schemaRefs>
-    <ds:schemaRef ds:uri="http://schemas.microsoft.com/office/2006/metadata/properties"/>
-    <ds:schemaRef ds:uri="http://schemas.microsoft.com/office/infopath/2007/PartnerControls"/>
-    <ds:schemaRef ds:uri="d1af3920-8fda-4ad5-98bb-96475601b038"/>
+    <ds:schemaRef ds:uri="http://schemas.microsoft.com/sharepoint/v3/contenttype/forms"/>
   </ds:schemaRefs>
 </ds:datastoreItem>
 </file>
@@ -9823,9 +9827,11 @@
 </file>
 
 <file path=customXml/itemProps3.xml><?xml version="1.0" encoding="utf-8"?>
-<ds:datastoreItem xmlns:ds="http://schemas.openxmlformats.org/officeDocument/2006/customXml" ds:itemID="{820C0BDE-2AEC-4B91-9B9A-3A6B8B0A37F6}">
+<ds:datastoreItem xmlns:ds="http://schemas.openxmlformats.org/officeDocument/2006/customXml" ds:itemID="{08CF7150-1E38-4F75-B2CE-001E1652E69A}">
   <ds:schemaRefs>
-    <ds:schemaRef ds:uri="http://schemas.microsoft.com/sharepoint/v3/contenttype/forms"/>
+    <ds:schemaRef ds:uri="http://schemas.microsoft.com/office/2006/metadata/properties"/>
+    <ds:schemaRef ds:uri="http://schemas.microsoft.com/office/infopath/2007/PartnerControls"/>
+    <ds:schemaRef ds:uri="d1af3920-8fda-4ad5-98bb-96475601b038"/>
   </ds:schemaRefs>
 </ds:datastoreItem>
 </file>